--- a/ppt 16-9/0461.主要用我.pptx
+++ b/ppt 16-9/0461.主要用我.pptx
@@ -129,7 +129,7 @@
           <p:cNvPr id="2" name="标题 1">
             <a:extLst>
               <a:ext uri="{FF2B5EF4-FFF2-40B4-BE49-F238E27FC236}">
-                <a16:creationId xmlns:a16="http://schemas.microsoft.com/office/drawing/2014/main" id="{36B41449-086C-5C36-064E-B7712939C2BB}"/>
+                <a16:creationId xmlns:a16="http://schemas.microsoft.com/office/drawing/2014/main" id="{F57D2FC3-71EE-AB01-DE77-1B2B247AAEBB}"/>
               </a:ext>
             </a:extLst>
           </p:cNvPr>
@@ -166,7 +166,7 @@
           <p:cNvPr id="3" name="副标题 2">
             <a:extLst>
               <a:ext uri="{FF2B5EF4-FFF2-40B4-BE49-F238E27FC236}">
-                <a16:creationId xmlns:a16="http://schemas.microsoft.com/office/drawing/2014/main" id="{A24FC291-4852-5E36-3BBF-932228335BDA}"/>
+                <a16:creationId xmlns:a16="http://schemas.microsoft.com/office/drawing/2014/main" id="{2A440189-240B-2488-40BD-928EF4917093}"/>
               </a:ext>
             </a:extLst>
           </p:cNvPr>
@@ -236,7 +236,7 @@
           <p:cNvPr id="4" name="日期占位符 3">
             <a:extLst>
               <a:ext uri="{FF2B5EF4-FFF2-40B4-BE49-F238E27FC236}">
-                <a16:creationId xmlns:a16="http://schemas.microsoft.com/office/drawing/2014/main" id="{751560AC-01DD-C37B-DFE3-E6F8B98FDB04}"/>
+                <a16:creationId xmlns:a16="http://schemas.microsoft.com/office/drawing/2014/main" id="{47C65F96-EE75-AAD6-E539-83E0499AF065}"/>
               </a:ext>
             </a:extLst>
           </p:cNvPr>
@@ -252,7 +252,7 @@
           <a:bodyPr/>
           <a:lstStyle/>
           <a:p>
-            <a:fld id="{953D6047-0053-4EDB-8584-E0D405AA8D87}" type="datetimeFigureOut">
+            <a:fld id="{A43DA695-9C9F-4D6E-81E8-84CF2DEF754F}" type="datetimeFigureOut">
               <a:rPr lang="zh-CN" altLang="en-US" smtClean="0"/>
               <a:t>2024/3/10</a:t>
             </a:fld>
@@ -265,7 +265,7 @@
           <p:cNvPr id="5" name="页脚占位符 4">
             <a:extLst>
               <a:ext uri="{FF2B5EF4-FFF2-40B4-BE49-F238E27FC236}">
-                <a16:creationId xmlns:a16="http://schemas.microsoft.com/office/drawing/2014/main" id="{2F7D7118-1389-773A-CEB8-AB085DB0C309}"/>
+                <a16:creationId xmlns:a16="http://schemas.microsoft.com/office/drawing/2014/main" id="{95A49156-EB6F-042C-4C05-0CD118E0D99E}"/>
               </a:ext>
             </a:extLst>
           </p:cNvPr>
@@ -290,7 +290,7 @@
           <p:cNvPr id="6" name="灯片编号占位符 5">
             <a:extLst>
               <a:ext uri="{FF2B5EF4-FFF2-40B4-BE49-F238E27FC236}">
-                <a16:creationId xmlns:a16="http://schemas.microsoft.com/office/drawing/2014/main" id="{55FA762C-7C05-62D6-7966-85AC83AFF183}"/>
+                <a16:creationId xmlns:a16="http://schemas.microsoft.com/office/drawing/2014/main" id="{16A3635A-B22E-B2E6-91FB-BCD2B6CAC66C}"/>
               </a:ext>
             </a:extLst>
           </p:cNvPr>
@@ -306,7 +306,7 @@
           <a:bodyPr/>
           <a:lstStyle/>
           <a:p>
-            <a:fld id="{627E819B-C3C6-4491-866A-98F54CB703A1}" type="slidenum">
+            <a:fld id="{24064E73-9D5E-489B-AF1B-553E07015DAE}" type="slidenum">
               <a:rPr lang="zh-CN" altLang="en-US" smtClean="0"/>
               <a:t>‹#›</a:t>
             </a:fld>
@@ -317,7 +317,7 @@
     </p:spTree>
     <p:extLst>
       <p:ext uri="{BB962C8B-B14F-4D97-AF65-F5344CB8AC3E}">
-        <p14:creationId xmlns:p14="http://schemas.microsoft.com/office/powerpoint/2010/main" val="1130902001"/>
+        <p14:creationId xmlns:p14="http://schemas.microsoft.com/office/powerpoint/2010/main" val="1770637392"/>
       </p:ext>
     </p:extLst>
   </p:cSld>
@@ -349,7 +349,7 @@
           <p:cNvPr id="2" name="标题 1">
             <a:extLst>
               <a:ext uri="{FF2B5EF4-FFF2-40B4-BE49-F238E27FC236}">
-                <a16:creationId xmlns:a16="http://schemas.microsoft.com/office/drawing/2014/main" id="{36A5E6CB-3F43-7447-CBE8-25406F4166B3}"/>
+                <a16:creationId xmlns:a16="http://schemas.microsoft.com/office/drawing/2014/main" id="{A9ADED84-CC65-CD17-9BD7-A610AEA66975}"/>
               </a:ext>
             </a:extLst>
           </p:cNvPr>
@@ -377,7 +377,7 @@
           <p:cNvPr id="3" name="竖排文字占位符 2">
             <a:extLst>
               <a:ext uri="{FF2B5EF4-FFF2-40B4-BE49-F238E27FC236}">
-                <a16:creationId xmlns:a16="http://schemas.microsoft.com/office/drawing/2014/main" id="{ECAE1C60-3993-F1B6-98A8-581C6EA2C1AC}"/>
+                <a16:creationId xmlns:a16="http://schemas.microsoft.com/office/drawing/2014/main" id="{3E93C91E-69BF-6E40-89F9-7E88AC166463}"/>
               </a:ext>
             </a:extLst>
           </p:cNvPr>
@@ -434,7 +434,7 @@
           <p:cNvPr id="4" name="日期占位符 3">
             <a:extLst>
               <a:ext uri="{FF2B5EF4-FFF2-40B4-BE49-F238E27FC236}">
-                <a16:creationId xmlns:a16="http://schemas.microsoft.com/office/drawing/2014/main" id="{A090577D-C851-6596-7D1B-CBFF50BDD7A7}"/>
+                <a16:creationId xmlns:a16="http://schemas.microsoft.com/office/drawing/2014/main" id="{CD6741FB-D0C8-0415-473A-E13763535504}"/>
               </a:ext>
             </a:extLst>
           </p:cNvPr>
@@ -450,7 +450,7 @@
           <a:bodyPr/>
           <a:lstStyle/>
           <a:p>
-            <a:fld id="{953D6047-0053-4EDB-8584-E0D405AA8D87}" type="datetimeFigureOut">
+            <a:fld id="{A43DA695-9C9F-4D6E-81E8-84CF2DEF754F}" type="datetimeFigureOut">
               <a:rPr lang="zh-CN" altLang="en-US" smtClean="0"/>
               <a:t>2024/3/10</a:t>
             </a:fld>
@@ -463,7 +463,7 @@
           <p:cNvPr id="5" name="页脚占位符 4">
             <a:extLst>
               <a:ext uri="{FF2B5EF4-FFF2-40B4-BE49-F238E27FC236}">
-                <a16:creationId xmlns:a16="http://schemas.microsoft.com/office/drawing/2014/main" id="{1BEE9C86-7A36-1EB9-EB74-B8AF89EA010B}"/>
+                <a16:creationId xmlns:a16="http://schemas.microsoft.com/office/drawing/2014/main" id="{421203A6-1070-C20B-364B-F8FFFCA91C26}"/>
               </a:ext>
             </a:extLst>
           </p:cNvPr>
@@ -488,7 +488,7 @@
           <p:cNvPr id="6" name="灯片编号占位符 5">
             <a:extLst>
               <a:ext uri="{FF2B5EF4-FFF2-40B4-BE49-F238E27FC236}">
-                <a16:creationId xmlns:a16="http://schemas.microsoft.com/office/drawing/2014/main" id="{7EF7EFE8-A907-9281-6D42-AF43B52C32C4}"/>
+                <a16:creationId xmlns:a16="http://schemas.microsoft.com/office/drawing/2014/main" id="{5D5F3EF0-3D7F-05D9-94E5-38C7F55F8B24}"/>
               </a:ext>
             </a:extLst>
           </p:cNvPr>
@@ -504,7 +504,7 @@
           <a:bodyPr/>
           <a:lstStyle/>
           <a:p>
-            <a:fld id="{627E819B-C3C6-4491-866A-98F54CB703A1}" type="slidenum">
+            <a:fld id="{24064E73-9D5E-489B-AF1B-553E07015DAE}" type="slidenum">
               <a:rPr lang="zh-CN" altLang="en-US" smtClean="0"/>
               <a:t>‹#›</a:t>
             </a:fld>
@@ -515,7 +515,7 @@
     </p:spTree>
     <p:extLst>
       <p:ext uri="{BB962C8B-B14F-4D97-AF65-F5344CB8AC3E}">
-        <p14:creationId xmlns:p14="http://schemas.microsoft.com/office/powerpoint/2010/main" val="267098273"/>
+        <p14:creationId xmlns:p14="http://schemas.microsoft.com/office/powerpoint/2010/main" val="1286362297"/>
       </p:ext>
     </p:extLst>
   </p:cSld>
@@ -547,7 +547,7 @@
           <p:cNvPr id="2" name="竖排标题 1">
             <a:extLst>
               <a:ext uri="{FF2B5EF4-FFF2-40B4-BE49-F238E27FC236}">
-                <a16:creationId xmlns:a16="http://schemas.microsoft.com/office/drawing/2014/main" id="{7CAB1647-835C-27F4-59D7-AC11ED2A1D3B}"/>
+                <a16:creationId xmlns:a16="http://schemas.microsoft.com/office/drawing/2014/main" id="{31EC0998-68CE-D066-DE32-2A2792F9DB3F}"/>
               </a:ext>
             </a:extLst>
           </p:cNvPr>
@@ -580,7 +580,7 @@
           <p:cNvPr id="3" name="竖排文字占位符 2">
             <a:extLst>
               <a:ext uri="{FF2B5EF4-FFF2-40B4-BE49-F238E27FC236}">
-                <a16:creationId xmlns:a16="http://schemas.microsoft.com/office/drawing/2014/main" id="{D3DCB27B-4DCB-7E65-1217-B9109F39D188}"/>
+                <a16:creationId xmlns:a16="http://schemas.microsoft.com/office/drawing/2014/main" id="{2B75FCD9-75F9-27D9-8D25-893CAE633DF6}"/>
               </a:ext>
             </a:extLst>
           </p:cNvPr>
@@ -642,7 +642,7 @@
           <p:cNvPr id="4" name="日期占位符 3">
             <a:extLst>
               <a:ext uri="{FF2B5EF4-FFF2-40B4-BE49-F238E27FC236}">
-                <a16:creationId xmlns:a16="http://schemas.microsoft.com/office/drawing/2014/main" id="{3FF7111E-B652-786E-FA11-51EACD04ACCC}"/>
+                <a16:creationId xmlns:a16="http://schemas.microsoft.com/office/drawing/2014/main" id="{7967B3B1-05E6-6E35-5027-E854F77389D1}"/>
               </a:ext>
             </a:extLst>
           </p:cNvPr>
@@ -658,7 +658,7 @@
           <a:bodyPr/>
           <a:lstStyle/>
           <a:p>
-            <a:fld id="{953D6047-0053-4EDB-8584-E0D405AA8D87}" type="datetimeFigureOut">
+            <a:fld id="{A43DA695-9C9F-4D6E-81E8-84CF2DEF754F}" type="datetimeFigureOut">
               <a:rPr lang="zh-CN" altLang="en-US" smtClean="0"/>
               <a:t>2024/3/10</a:t>
             </a:fld>
@@ -671,7 +671,7 @@
           <p:cNvPr id="5" name="页脚占位符 4">
             <a:extLst>
               <a:ext uri="{FF2B5EF4-FFF2-40B4-BE49-F238E27FC236}">
-                <a16:creationId xmlns:a16="http://schemas.microsoft.com/office/drawing/2014/main" id="{6257D3DB-E0A6-3BB7-E77C-36FCD60C24AF}"/>
+                <a16:creationId xmlns:a16="http://schemas.microsoft.com/office/drawing/2014/main" id="{CEC4BDB3-5483-9E4C-3319-D337EBCBCFB0}"/>
               </a:ext>
             </a:extLst>
           </p:cNvPr>
@@ -696,7 +696,7 @@
           <p:cNvPr id="6" name="灯片编号占位符 5">
             <a:extLst>
               <a:ext uri="{FF2B5EF4-FFF2-40B4-BE49-F238E27FC236}">
-                <a16:creationId xmlns:a16="http://schemas.microsoft.com/office/drawing/2014/main" id="{CF4E440C-8EB6-F874-90D3-1C3FBC51D2D6}"/>
+                <a16:creationId xmlns:a16="http://schemas.microsoft.com/office/drawing/2014/main" id="{372F90F5-D739-CCDC-5777-63D2B60FBF31}"/>
               </a:ext>
             </a:extLst>
           </p:cNvPr>
@@ -712,7 +712,7 @@
           <a:bodyPr/>
           <a:lstStyle/>
           <a:p>
-            <a:fld id="{627E819B-C3C6-4491-866A-98F54CB703A1}" type="slidenum">
+            <a:fld id="{24064E73-9D5E-489B-AF1B-553E07015DAE}" type="slidenum">
               <a:rPr lang="zh-CN" altLang="en-US" smtClean="0"/>
               <a:t>‹#›</a:t>
             </a:fld>
@@ -723,7 +723,7 @@
     </p:spTree>
     <p:extLst>
       <p:ext uri="{BB962C8B-B14F-4D97-AF65-F5344CB8AC3E}">
-        <p14:creationId xmlns:p14="http://schemas.microsoft.com/office/powerpoint/2010/main" val="165023479"/>
+        <p14:creationId xmlns:p14="http://schemas.microsoft.com/office/powerpoint/2010/main" val="1227882841"/>
       </p:ext>
     </p:extLst>
   </p:cSld>
@@ -755,7 +755,7 @@
           <p:cNvPr id="2" name="标题 1">
             <a:extLst>
               <a:ext uri="{FF2B5EF4-FFF2-40B4-BE49-F238E27FC236}">
-                <a16:creationId xmlns:a16="http://schemas.microsoft.com/office/drawing/2014/main" id="{A83725AB-4400-0777-6BFA-AE2CE91DFE09}"/>
+                <a16:creationId xmlns:a16="http://schemas.microsoft.com/office/drawing/2014/main" id="{B8202754-25EE-63E4-FB75-E48C609B6AAE}"/>
               </a:ext>
             </a:extLst>
           </p:cNvPr>
@@ -783,7 +783,7 @@
           <p:cNvPr id="3" name="内容占位符 2">
             <a:extLst>
               <a:ext uri="{FF2B5EF4-FFF2-40B4-BE49-F238E27FC236}">
-                <a16:creationId xmlns:a16="http://schemas.microsoft.com/office/drawing/2014/main" id="{4ACDE762-A050-A7A0-CCFC-0C2118DDF536}"/>
+                <a16:creationId xmlns:a16="http://schemas.microsoft.com/office/drawing/2014/main" id="{4A4CA340-DE48-B6B2-2C38-15BE685A12A5}"/>
               </a:ext>
             </a:extLst>
           </p:cNvPr>
@@ -840,7 +840,7 @@
           <p:cNvPr id="4" name="日期占位符 3">
             <a:extLst>
               <a:ext uri="{FF2B5EF4-FFF2-40B4-BE49-F238E27FC236}">
-                <a16:creationId xmlns:a16="http://schemas.microsoft.com/office/drawing/2014/main" id="{F4D627F8-058E-E0C5-C719-26F6F4A5A252}"/>
+                <a16:creationId xmlns:a16="http://schemas.microsoft.com/office/drawing/2014/main" id="{16FFBDA6-9D4E-46F7-C061-349C971B7015}"/>
               </a:ext>
             </a:extLst>
           </p:cNvPr>
@@ -856,7 +856,7 @@
           <a:bodyPr/>
           <a:lstStyle/>
           <a:p>
-            <a:fld id="{953D6047-0053-4EDB-8584-E0D405AA8D87}" type="datetimeFigureOut">
+            <a:fld id="{A43DA695-9C9F-4D6E-81E8-84CF2DEF754F}" type="datetimeFigureOut">
               <a:rPr lang="zh-CN" altLang="en-US" smtClean="0"/>
               <a:t>2024/3/10</a:t>
             </a:fld>
@@ -869,7 +869,7 @@
           <p:cNvPr id="5" name="页脚占位符 4">
             <a:extLst>
               <a:ext uri="{FF2B5EF4-FFF2-40B4-BE49-F238E27FC236}">
-                <a16:creationId xmlns:a16="http://schemas.microsoft.com/office/drawing/2014/main" id="{AD6DE1A6-84A9-2680-183A-636CEEF04564}"/>
+                <a16:creationId xmlns:a16="http://schemas.microsoft.com/office/drawing/2014/main" id="{063C775C-0F81-083C-B6D8-E0D81ADAD4C7}"/>
               </a:ext>
             </a:extLst>
           </p:cNvPr>
@@ -894,7 +894,7 @@
           <p:cNvPr id="6" name="灯片编号占位符 5">
             <a:extLst>
               <a:ext uri="{FF2B5EF4-FFF2-40B4-BE49-F238E27FC236}">
-                <a16:creationId xmlns:a16="http://schemas.microsoft.com/office/drawing/2014/main" id="{CD5F8C39-3B6A-24A3-2BC3-F548065C7822}"/>
+                <a16:creationId xmlns:a16="http://schemas.microsoft.com/office/drawing/2014/main" id="{EE1BEA54-0DDF-B84D-5795-A4AA7F4E87E9}"/>
               </a:ext>
             </a:extLst>
           </p:cNvPr>
@@ -910,7 +910,7 @@
           <a:bodyPr/>
           <a:lstStyle/>
           <a:p>
-            <a:fld id="{627E819B-C3C6-4491-866A-98F54CB703A1}" type="slidenum">
+            <a:fld id="{24064E73-9D5E-489B-AF1B-553E07015DAE}" type="slidenum">
               <a:rPr lang="zh-CN" altLang="en-US" smtClean="0"/>
               <a:t>‹#›</a:t>
             </a:fld>
@@ -921,7 +921,7 @@
     </p:spTree>
     <p:extLst>
       <p:ext uri="{BB962C8B-B14F-4D97-AF65-F5344CB8AC3E}">
-        <p14:creationId xmlns:p14="http://schemas.microsoft.com/office/powerpoint/2010/main" val="727061980"/>
+        <p14:creationId xmlns:p14="http://schemas.microsoft.com/office/powerpoint/2010/main" val="63659706"/>
       </p:ext>
     </p:extLst>
   </p:cSld>
@@ -953,7 +953,7 @@
           <p:cNvPr id="2" name="标题 1">
             <a:extLst>
               <a:ext uri="{FF2B5EF4-FFF2-40B4-BE49-F238E27FC236}">
-                <a16:creationId xmlns:a16="http://schemas.microsoft.com/office/drawing/2014/main" id="{50EC4942-80C5-62BE-8F50-0DDDB3A8909D}"/>
+                <a16:creationId xmlns:a16="http://schemas.microsoft.com/office/drawing/2014/main" id="{46C57C9B-ACA6-5812-0F87-80B44F8A2BE7}"/>
               </a:ext>
             </a:extLst>
           </p:cNvPr>
@@ -990,7 +990,7 @@
           <p:cNvPr id="3" name="文本占位符 2">
             <a:extLst>
               <a:ext uri="{FF2B5EF4-FFF2-40B4-BE49-F238E27FC236}">
-                <a16:creationId xmlns:a16="http://schemas.microsoft.com/office/drawing/2014/main" id="{C30D3B71-64EF-92CE-FFA7-23258946DE68}"/>
+                <a16:creationId xmlns:a16="http://schemas.microsoft.com/office/drawing/2014/main" id="{47CDBBDB-ABF7-5DB7-267E-29CF24AB6941}"/>
               </a:ext>
             </a:extLst>
           </p:cNvPr>
@@ -1115,7 +1115,7 @@
           <p:cNvPr id="4" name="日期占位符 3">
             <a:extLst>
               <a:ext uri="{FF2B5EF4-FFF2-40B4-BE49-F238E27FC236}">
-                <a16:creationId xmlns:a16="http://schemas.microsoft.com/office/drawing/2014/main" id="{232853C6-8ED4-8387-B4EC-BAE8DB31E4A8}"/>
+                <a16:creationId xmlns:a16="http://schemas.microsoft.com/office/drawing/2014/main" id="{621434DC-F301-F486-AAA2-E5EB785442B2}"/>
               </a:ext>
             </a:extLst>
           </p:cNvPr>
@@ -1131,7 +1131,7 @@
           <a:bodyPr/>
           <a:lstStyle/>
           <a:p>
-            <a:fld id="{953D6047-0053-4EDB-8584-E0D405AA8D87}" type="datetimeFigureOut">
+            <a:fld id="{A43DA695-9C9F-4D6E-81E8-84CF2DEF754F}" type="datetimeFigureOut">
               <a:rPr lang="zh-CN" altLang="en-US" smtClean="0"/>
               <a:t>2024/3/10</a:t>
             </a:fld>
@@ -1144,7 +1144,7 @@
           <p:cNvPr id="5" name="页脚占位符 4">
             <a:extLst>
               <a:ext uri="{FF2B5EF4-FFF2-40B4-BE49-F238E27FC236}">
-                <a16:creationId xmlns:a16="http://schemas.microsoft.com/office/drawing/2014/main" id="{D032E33A-1DBD-313C-EA0E-2C8A055CCE85}"/>
+                <a16:creationId xmlns:a16="http://schemas.microsoft.com/office/drawing/2014/main" id="{5F311350-457D-8DB9-7658-2C598940B27A}"/>
               </a:ext>
             </a:extLst>
           </p:cNvPr>
@@ -1169,7 +1169,7 @@
           <p:cNvPr id="6" name="灯片编号占位符 5">
             <a:extLst>
               <a:ext uri="{FF2B5EF4-FFF2-40B4-BE49-F238E27FC236}">
-                <a16:creationId xmlns:a16="http://schemas.microsoft.com/office/drawing/2014/main" id="{B0DF0473-474A-AD8C-00FF-C6C8C44E69CD}"/>
+                <a16:creationId xmlns:a16="http://schemas.microsoft.com/office/drawing/2014/main" id="{C2EA3FD4-B931-86F7-3956-22094967E27D}"/>
               </a:ext>
             </a:extLst>
           </p:cNvPr>
@@ -1185,7 +1185,7 @@
           <a:bodyPr/>
           <a:lstStyle/>
           <a:p>
-            <a:fld id="{627E819B-C3C6-4491-866A-98F54CB703A1}" type="slidenum">
+            <a:fld id="{24064E73-9D5E-489B-AF1B-553E07015DAE}" type="slidenum">
               <a:rPr lang="zh-CN" altLang="en-US" smtClean="0"/>
               <a:t>‹#›</a:t>
             </a:fld>
@@ -1196,7 +1196,7 @@
     </p:spTree>
     <p:extLst>
       <p:ext uri="{BB962C8B-B14F-4D97-AF65-F5344CB8AC3E}">
-        <p14:creationId xmlns:p14="http://schemas.microsoft.com/office/powerpoint/2010/main" val="1351213572"/>
+        <p14:creationId xmlns:p14="http://schemas.microsoft.com/office/powerpoint/2010/main" val="2287538955"/>
       </p:ext>
     </p:extLst>
   </p:cSld>
@@ -1228,7 +1228,7 @@
           <p:cNvPr id="2" name="标题 1">
             <a:extLst>
               <a:ext uri="{FF2B5EF4-FFF2-40B4-BE49-F238E27FC236}">
-                <a16:creationId xmlns:a16="http://schemas.microsoft.com/office/drawing/2014/main" id="{EB8D2D72-E3E7-E1AD-1CDB-50E4488F5EE5}"/>
+                <a16:creationId xmlns:a16="http://schemas.microsoft.com/office/drawing/2014/main" id="{21FF07ED-6063-410A-71DF-5E722E03E40B}"/>
               </a:ext>
             </a:extLst>
           </p:cNvPr>
@@ -1256,7 +1256,7 @@
           <p:cNvPr id="3" name="内容占位符 2">
             <a:extLst>
               <a:ext uri="{FF2B5EF4-FFF2-40B4-BE49-F238E27FC236}">
-                <a16:creationId xmlns:a16="http://schemas.microsoft.com/office/drawing/2014/main" id="{D619ABB5-796A-C9B0-5A8F-BD8562E4F4C2}"/>
+                <a16:creationId xmlns:a16="http://schemas.microsoft.com/office/drawing/2014/main" id="{15499E34-204F-4115-3645-4CAAEB5AFD09}"/>
               </a:ext>
             </a:extLst>
           </p:cNvPr>
@@ -1318,7 +1318,7 @@
           <p:cNvPr id="4" name="内容占位符 3">
             <a:extLst>
               <a:ext uri="{FF2B5EF4-FFF2-40B4-BE49-F238E27FC236}">
-                <a16:creationId xmlns:a16="http://schemas.microsoft.com/office/drawing/2014/main" id="{D0E9EAD5-7A7D-BBC8-F88D-D13D93E9F105}"/>
+                <a16:creationId xmlns:a16="http://schemas.microsoft.com/office/drawing/2014/main" id="{A299067E-938C-5201-8DF3-B7290C8E416A}"/>
               </a:ext>
             </a:extLst>
           </p:cNvPr>
@@ -1380,7 +1380,7 @@
           <p:cNvPr id="5" name="日期占位符 4">
             <a:extLst>
               <a:ext uri="{FF2B5EF4-FFF2-40B4-BE49-F238E27FC236}">
-                <a16:creationId xmlns:a16="http://schemas.microsoft.com/office/drawing/2014/main" id="{417DF6CD-2317-E522-CEA1-7AB629605819}"/>
+                <a16:creationId xmlns:a16="http://schemas.microsoft.com/office/drawing/2014/main" id="{225F2164-DB8C-C2D6-8834-9AD7DB7C9E24}"/>
               </a:ext>
             </a:extLst>
           </p:cNvPr>
@@ -1396,7 +1396,7 @@
           <a:bodyPr/>
           <a:lstStyle/>
           <a:p>
-            <a:fld id="{953D6047-0053-4EDB-8584-E0D405AA8D87}" type="datetimeFigureOut">
+            <a:fld id="{A43DA695-9C9F-4D6E-81E8-84CF2DEF754F}" type="datetimeFigureOut">
               <a:rPr lang="zh-CN" altLang="en-US" smtClean="0"/>
               <a:t>2024/3/10</a:t>
             </a:fld>
@@ -1409,7 +1409,7 @@
           <p:cNvPr id="6" name="页脚占位符 5">
             <a:extLst>
               <a:ext uri="{FF2B5EF4-FFF2-40B4-BE49-F238E27FC236}">
-                <a16:creationId xmlns:a16="http://schemas.microsoft.com/office/drawing/2014/main" id="{FCDCC119-80EF-4F4A-1996-6BAA7F819C7D}"/>
+                <a16:creationId xmlns:a16="http://schemas.microsoft.com/office/drawing/2014/main" id="{EE4E7352-A3E4-6E10-14C7-2E2FEC57A040}"/>
               </a:ext>
             </a:extLst>
           </p:cNvPr>
@@ -1434,7 +1434,7 @@
           <p:cNvPr id="7" name="灯片编号占位符 6">
             <a:extLst>
               <a:ext uri="{FF2B5EF4-FFF2-40B4-BE49-F238E27FC236}">
-                <a16:creationId xmlns:a16="http://schemas.microsoft.com/office/drawing/2014/main" id="{4B4BB3A7-6B1E-E8EE-363B-5D363E97F9EC}"/>
+                <a16:creationId xmlns:a16="http://schemas.microsoft.com/office/drawing/2014/main" id="{C2C74B25-4241-4FEF-ECEC-1B43C89D5633}"/>
               </a:ext>
             </a:extLst>
           </p:cNvPr>
@@ -1450,7 +1450,7 @@
           <a:bodyPr/>
           <a:lstStyle/>
           <a:p>
-            <a:fld id="{627E819B-C3C6-4491-866A-98F54CB703A1}" type="slidenum">
+            <a:fld id="{24064E73-9D5E-489B-AF1B-553E07015DAE}" type="slidenum">
               <a:rPr lang="zh-CN" altLang="en-US" smtClean="0"/>
               <a:t>‹#›</a:t>
             </a:fld>
@@ -1461,7 +1461,7 @@
     </p:spTree>
     <p:extLst>
       <p:ext uri="{BB962C8B-B14F-4D97-AF65-F5344CB8AC3E}">
-        <p14:creationId xmlns:p14="http://schemas.microsoft.com/office/powerpoint/2010/main" val="2019760464"/>
+        <p14:creationId xmlns:p14="http://schemas.microsoft.com/office/powerpoint/2010/main" val="3512097117"/>
       </p:ext>
     </p:extLst>
   </p:cSld>
@@ -1493,7 +1493,7 @@
           <p:cNvPr id="2" name="标题 1">
             <a:extLst>
               <a:ext uri="{FF2B5EF4-FFF2-40B4-BE49-F238E27FC236}">
-                <a16:creationId xmlns:a16="http://schemas.microsoft.com/office/drawing/2014/main" id="{AB26CA02-D245-8CC0-2441-565672F87A52}"/>
+                <a16:creationId xmlns:a16="http://schemas.microsoft.com/office/drawing/2014/main" id="{CB74A84A-5DCE-A65B-545B-729F73BCEF17}"/>
               </a:ext>
             </a:extLst>
           </p:cNvPr>
@@ -1526,7 +1526,7 @@
           <p:cNvPr id="3" name="文本占位符 2">
             <a:extLst>
               <a:ext uri="{FF2B5EF4-FFF2-40B4-BE49-F238E27FC236}">
-                <a16:creationId xmlns:a16="http://schemas.microsoft.com/office/drawing/2014/main" id="{4E598A10-7AFB-984E-AD7B-CA0837BC4373}"/>
+                <a16:creationId xmlns:a16="http://schemas.microsoft.com/office/drawing/2014/main" id="{6A090BA2-A9D0-BABE-50D3-EDEA366C7F46}"/>
               </a:ext>
             </a:extLst>
           </p:cNvPr>
@@ -1597,7 +1597,7 @@
           <p:cNvPr id="4" name="内容占位符 3">
             <a:extLst>
               <a:ext uri="{FF2B5EF4-FFF2-40B4-BE49-F238E27FC236}">
-                <a16:creationId xmlns:a16="http://schemas.microsoft.com/office/drawing/2014/main" id="{8105E7B6-C14E-9420-3DE6-CE4769764406}"/>
+                <a16:creationId xmlns:a16="http://schemas.microsoft.com/office/drawing/2014/main" id="{AD4CF971-FC4C-4259-317A-1E402076D272}"/>
               </a:ext>
             </a:extLst>
           </p:cNvPr>
@@ -1659,7 +1659,7 @@
           <p:cNvPr id="5" name="文本占位符 4">
             <a:extLst>
               <a:ext uri="{FF2B5EF4-FFF2-40B4-BE49-F238E27FC236}">
-                <a16:creationId xmlns:a16="http://schemas.microsoft.com/office/drawing/2014/main" id="{868EDE35-87EE-BF74-B64C-BED066D108D1}"/>
+                <a16:creationId xmlns:a16="http://schemas.microsoft.com/office/drawing/2014/main" id="{01C8416C-E283-5826-1C68-8D7442E6E887}"/>
               </a:ext>
             </a:extLst>
           </p:cNvPr>
@@ -1730,7 +1730,7 @@
           <p:cNvPr id="6" name="内容占位符 5">
             <a:extLst>
               <a:ext uri="{FF2B5EF4-FFF2-40B4-BE49-F238E27FC236}">
-                <a16:creationId xmlns:a16="http://schemas.microsoft.com/office/drawing/2014/main" id="{64774C51-926F-E600-5D47-86515FB6AF6C}"/>
+                <a16:creationId xmlns:a16="http://schemas.microsoft.com/office/drawing/2014/main" id="{86608BE1-5384-437F-9399-A40DB9DD354E}"/>
               </a:ext>
             </a:extLst>
           </p:cNvPr>
@@ -1792,7 +1792,7 @@
           <p:cNvPr id="7" name="日期占位符 6">
             <a:extLst>
               <a:ext uri="{FF2B5EF4-FFF2-40B4-BE49-F238E27FC236}">
-                <a16:creationId xmlns:a16="http://schemas.microsoft.com/office/drawing/2014/main" id="{26E63C3D-D4FF-174B-4564-7755A32B3FE6}"/>
+                <a16:creationId xmlns:a16="http://schemas.microsoft.com/office/drawing/2014/main" id="{8CCF5EAB-11E2-8641-F69D-7FAA52DB8887}"/>
               </a:ext>
             </a:extLst>
           </p:cNvPr>
@@ -1808,7 +1808,7 @@
           <a:bodyPr/>
           <a:lstStyle/>
           <a:p>
-            <a:fld id="{953D6047-0053-4EDB-8584-E0D405AA8D87}" type="datetimeFigureOut">
+            <a:fld id="{A43DA695-9C9F-4D6E-81E8-84CF2DEF754F}" type="datetimeFigureOut">
               <a:rPr lang="zh-CN" altLang="en-US" smtClean="0"/>
               <a:t>2024/3/10</a:t>
             </a:fld>
@@ -1821,7 +1821,7 @@
           <p:cNvPr id="8" name="页脚占位符 7">
             <a:extLst>
               <a:ext uri="{FF2B5EF4-FFF2-40B4-BE49-F238E27FC236}">
-                <a16:creationId xmlns:a16="http://schemas.microsoft.com/office/drawing/2014/main" id="{07D4C621-EB91-488E-F2DC-3E37D090F5F0}"/>
+                <a16:creationId xmlns:a16="http://schemas.microsoft.com/office/drawing/2014/main" id="{35A4CBF0-AAFE-F1B9-2EEB-F13DE1DEFFA4}"/>
               </a:ext>
             </a:extLst>
           </p:cNvPr>
@@ -1846,7 +1846,7 @@
           <p:cNvPr id="9" name="灯片编号占位符 8">
             <a:extLst>
               <a:ext uri="{FF2B5EF4-FFF2-40B4-BE49-F238E27FC236}">
-                <a16:creationId xmlns:a16="http://schemas.microsoft.com/office/drawing/2014/main" id="{92E26324-0610-EBE2-53F9-E130AE6D0592}"/>
+                <a16:creationId xmlns:a16="http://schemas.microsoft.com/office/drawing/2014/main" id="{8B94A605-DF84-F85E-7BB3-60152520B58E}"/>
               </a:ext>
             </a:extLst>
           </p:cNvPr>
@@ -1862,7 +1862,7 @@
           <a:bodyPr/>
           <a:lstStyle/>
           <a:p>
-            <a:fld id="{627E819B-C3C6-4491-866A-98F54CB703A1}" type="slidenum">
+            <a:fld id="{24064E73-9D5E-489B-AF1B-553E07015DAE}" type="slidenum">
               <a:rPr lang="zh-CN" altLang="en-US" smtClean="0"/>
               <a:t>‹#›</a:t>
             </a:fld>
@@ -1873,7 +1873,7 @@
     </p:spTree>
     <p:extLst>
       <p:ext uri="{BB962C8B-B14F-4D97-AF65-F5344CB8AC3E}">
-        <p14:creationId xmlns:p14="http://schemas.microsoft.com/office/powerpoint/2010/main" val="3080840916"/>
+        <p14:creationId xmlns:p14="http://schemas.microsoft.com/office/powerpoint/2010/main" val="1421599351"/>
       </p:ext>
     </p:extLst>
   </p:cSld>
@@ -1905,7 +1905,7 @@
           <p:cNvPr id="2" name="标题 1">
             <a:extLst>
               <a:ext uri="{FF2B5EF4-FFF2-40B4-BE49-F238E27FC236}">
-                <a16:creationId xmlns:a16="http://schemas.microsoft.com/office/drawing/2014/main" id="{6973ABE5-FEE2-23B2-BD4C-4ECD132FECB5}"/>
+                <a16:creationId xmlns:a16="http://schemas.microsoft.com/office/drawing/2014/main" id="{AF8CC89D-F766-83CE-4DF7-8E3F35475308}"/>
               </a:ext>
             </a:extLst>
           </p:cNvPr>
@@ -1933,7 +1933,7 @@
           <p:cNvPr id="3" name="日期占位符 2">
             <a:extLst>
               <a:ext uri="{FF2B5EF4-FFF2-40B4-BE49-F238E27FC236}">
-                <a16:creationId xmlns:a16="http://schemas.microsoft.com/office/drawing/2014/main" id="{71204DD4-7373-3946-C44E-8138358C0AD3}"/>
+                <a16:creationId xmlns:a16="http://schemas.microsoft.com/office/drawing/2014/main" id="{0568CAF3-75CC-F170-9B49-614A356B42C6}"/>
               </a:ext>
             </a:extLst>
           </p:cNvPr>
@@ -1949,7 +1949,7 @@
           <a:bodyPr/>
           <a:lstStyle/>
           <a:p>
-            <a:fld id="{953D6047-0053-4EDB-8584-E0D405AA8D87}" type="datetimeFigureOut">
+            <a:fld id="{A43DA695-9C9F-4D6E-81E8-84CF2DEF754F}" type="datetimeFigureOut">
               <a:rPr lang="zh-CN" altLang="en-US" smtClean="0"/>
               <a:t>2024/3/10</a:t>
             </a:fld>
@@ -1962,7 +1962,7 @@
           <p:cNvPr id="4" name="页脚占位符 3">
             <a:extLst>
               <a:ext uri="{FF2B5EF4-FFF2-40B4-BE49-F238E27FC236}">
-                <a16:creationId xmlns:a16="http://schemas.microsoft.com/office/drawing/2014/main" id="{16C6D269-480A-B1B4-0131-F41520134A8B}"/>
+                <a16:creationId xmlns:a16="http://schemas.microsoft.com/office/drawing/2014/main" id="{A5234BFD-1A5B-E528-4352-064116BEB15A}"/>
               </a:ext>
             </a:extLst>
           </p:cNvPr>
@@ -1987,7 +1987,7 @@
           <p:cNvPr id="5" name="灯片编号占位符 4">
             <a:extLst>
               <a:ext uri="{FF2B5EF4-FFF2-40B4-BE49-F238E27FC236}">
-                <a16:creationId xmlns:a16="http://schemas.microsoft.com/office/drawing/2014/main" id="{B5C6D64C-45BF-29AA-1760-B462A5A5AAD7}"/>
+                <a16:creationId xmlns:a16="http://schemas.microsoft.com/office/drawing/2014/main" id="{40DC7038-74E7-9FF5-DCEB-C89D8C026ADB}"/>
               </a:ext>
             </a:extLst>
           </p:cNvPr>
@@ -2003,7 +2003,7 @@
           <a:bodyPr/>
           <a:lstStyle/>
           <a:p>
-            <a:fld id="{627E819B-C3C6-4491-866A-98F54CB703A1}" type="slidenum">
+            <a:fld id="{24064E73-9D5E-489B-AF1B-553E07015DAE}" type="slidenum">
               <a:rPr lang="zh-CN" altLang="en-US" smtClean="0"/>
               <a:t>‹#›</a:t>
             </a:fld>
@@ -2014,7 +2014,7 @@
     </p:spTree>
     <p:extLst>
       <p:ext uri="{BB962C8B-B14F-4D97-AF65-F5344CB8AC3E}">
-        <p14:creationId xmlns:p14="http://schemas.microsoft.com/office/powerpoint/2010/main" val="2900768686"/>
+        <p14:creationId xmlns:p14="http://schemas.microsoft.com/office/powerpoint/2010/main" val="3571385902"/>
       </p:ext>
     </p:extLst>
   </p:cSld>
@@ -2046,7 +2046,7 @@
           <p:cNvPr id="2" name="日期占位符 1">
             <a:extLst>
               <a:ext uri="{FF2B5EF4-FFF2-40B4-BE49-F238E27FC236}">
-                <a16:creationId xmlns:a16="http://schemas.microsoft.com/office/drawing/2014/main" id="{856F8F34-9C3A-F464-808D-B7E6A139916B}"/>
+                <a16:creationId xmlns:a16="http://schemas.microsoft.com/office/drawing/2014/main" id="{EA9EA6B4-9108-BC63-176F-ABD35EB4BAD4}"/>
               </a:ext>
             </a:extLst>
           </p:cNvPr>
@@ -2062,7 +2062,7 @@
           <a:bodyPr/>
           <a:lstStyle/>
           <a:p>
-            <a:fld id="{953D6047-0053-4EDB-8584-E0D405AA8D87}" type="datetimeFigureOut">
+            <a:fld id="{A43DA695-9C9F-4D6E-81E8-84CF2DEF754F}" type="datetimeFigureOut">
               <a:rPr lang="zh-CN" altLang="en-US" smtClean="0"/>
               <a:t>2024/3/10</a:t>
             </a:fld>
@@ -2075,7 +2075,7 @@
           <p:cNvPr id="3" name="页脚占位符 2">
             <a:extLst>
               <a:ext uri="{FF2B5EF4-FFF2-40B4-BE49-F238E27FC236}">
-                <a16:creationId xmlns:a16="http://schemas.microsoft.com/office/drawing/2014/main" id="{2B9F3341-C5B6-AA94-35DA-F40966433976}"/>
+                <a16:creationId xmlns:a16="http://schemas.microsoft.com/office/drawing/2014/main" id="{E7BB34E3-F351-C679-7162-ECE0BF36F86E}"/>
               </a:ext>
             </a:extLst>
           </p:cNvPr>
@@ -2100,7 +2100,7 @@
           <p:cNvPr id="4" name="灯片编号占位符 3">
             <a:extLst>
               <a:ext uri="{FF2B5EF4-FFF2-40B4-BE49-F238E27FC236}">
-                <a16:creationId xmlns:a16="http://schemas.microsoft.com/office/drawing/2014/main" id="{C84C7268-EB17-8FF8-6565-7EC753A6F243}"/>
+                <a16:creationId xmlns:a16="http://schemas.microsoft.com/office/drawing/2014/main" id="{1FDE978C-D66B-11C8-F690-3C8D9ADC9B89}"/>
               </a:ext>
             </a:extLst>
           </p:cNvPr>
@@ -2116,7 +2116,7 @@
           <a:bodyPr/>
           <a:lstStyle/>
           <a:p>
-            <a:fld id="{627E819B-C3C6-4491-866A-98F54CB703A1}" type="slidenum">
+            <a:fld id="{24064E73-9D5E-489B-AF1B-553E07015DAE}" type="slidenum">
               <a:rPr lang="zh-CN" altLang="en-US" smtClean="0"/>
               <a:t>‹#›</a:t>
             </a:fld>
@@ -2127,7 +2127,7 @@
     </p:spTree>
     <p:extLst>
       <p:ext uri="{BB962C8B-B14F-4D97-AF65-F5344CB8AC3E}">
-        <p14:creationId xmlns:p14="http://schemas.microsoft.com/office/powerpoint/2010/main" val="162288870"/>
+        <p14:creationId xmlns:p14="http://schemas.microsoft.com/office/powerpoint/2010/main" val="222335148"/>
       </p:ext>
     </p:extLst>
   </p:cSld>
@@ -2159,7 +2159,7 @@
           <p:cNvPr id="2" name="标题 1">
             <a:extLst>
               <a:ext uri="{FF2B5EF4-FFF2-40B4-BE49-F238E27FC236}">
-                <a16:creationId xmlns:a16="http://schemas.microsoft.com/office/drawing/2014/main" id="{E2C966B1-DC34-5E9F-A000-80829DFE6C0F}"/>
+                <a16:creationId xmlns:a16="http://schemas.microsoft.com/office/drawing/2014/main" id="{96C37AC1-FA36-8603-B17C-531FAB69B082}"/>
               </a:ext>
             </a:extLst>
           </p:cNvPr>
@@ -2196,7 +2196,7 @@
           <p:cNvPr id="3" name="内容占位符 2">
             <a:extLst>
               <a:ext uri="{FF2B5EF4-FFF2-40B4-BE49-F238E27FC236}">
-                <a16:creationId xmlns:a16="http://schemas.microsoft.com/office/drawing/2014/main" id="{814E095C-5290-BE4E-8B29-2D77C4216665}"/>
+                <a16:creationId xmlns:a16="http://schemas.microsoft.com/office/drawing/2014/main" id="{7098DE78-DEB1-39D3-CADA-F4B36A80D41E}"/>
               </a:ext>
             </a:extLst>
           </p:cNvPr>
@@ -2286,7 +2286,7 @@
           <p:cNvPr id="4" name="文本占位符 3">
             <a:extLst>
               <a:ext uri="{FF2B5EF4-FFF2-40B4-BE49-F238E27FC236}">
-                <a16:creationId xmlns:a16="http://schemas.microsoft.com/office/drawing/2014/main" id="{06F9B627-7291-BA82-F24C-67FE1AFE72E0}"/>
+                <a16:creationId xmlns:a16="http://schemas.microsoft.com/office/drawing/2014/main" id="{FDE12BD9-EE07-C6CF-8F24-D9A6E9358129}"/>
               </a:ext>
             </a:extLst>
           </p:cNvPr>
@@ -2357,7 +2357,7 @@
           <p:cNvPr id="5" name="日期占位符 4">
             <a:extLst>
               <a:ext uri="{FF2B5EF4-FFF2-40B4-BE49-F238E27FC236}">
-                <a16:creationId xmlns:a16="http://schemas.microsoft.com/office/drawing/2014/main" id="{51646530-741C-2991-DF30-E5FFFDFE72C4}"/>
+                <a16:creationId xmlns:a16="http://schemas.microsoft.com/office/drawing/2014/main" id="{C2CFB26E-4293-2324-2F60-FD478F3E0367}"/>
               </a:ext>
             </a:extLst>
           </p:cNvPr>
@@ -2373,7 +2373,7 @@
           <a:bodyPr/>
           <a:lstStyle/>
           <a:p>
-            <a:fld id="{953D6047-0053-4EDB-8584-E0D405AA8D87}" type="datetimeFigureOut">
+            <a:fld id="{A43DA695-9C9F-4D6E-81E8-84CF2DEF754F}" type="datetimeFigureOut">
               <a:rPr lang="zh-CN" altLang="en-US" smtClean="0"/>
               <a:t>2024/3/10</a:t>
             </a:fld>
@@ -2386,7 +2386,7 @@
           <p:cNvPr id="6" name="页脚占位符 5">
             <a:extLst>
               <a:ext uri="{FF2B5EF4-FFF2-40B4-BE49-F238E27FC236}">
-                <a16:creationId xmlns:a16="http://schemas.microsoft.com/office/drawing/2014/main" id="{8E17EDED-2682-FE0E-1AE9-462A3EE2542F}"/>
+                <a16:creationId xmlns:a16="http://schemas.microsoft.com/office/drawing/2014/main" id="{E18C6015-A20E-7AAC-827F-0FAB75D38C7F}"/>
               </a:ext>
             </a:extLst>
           </p:cNvPr>
@@ -2411,7 +2411,7 @@
           <p:cNvPr id="7" name="灯片编号占位符 6">
             <a:extLst>
               <a:ext uri="{FF2B5EF4-FFF2-40B4-BE49-F238E27FC236}">
-                <a16:creationId xmlns:a16="http://schemas.microsoft.com/office/drawing/2014/main" id="{4804CF43-63A2-6122-8CA3-C053B5D19C50}"/>
+                <a16:creationId xmlns:a16="http://schemas.microsoft.com/office/drawing/2014/main" id="{00DD530B-4184-6EF6-B4D2-FF000D7A8462}"/>
               </a:ext>
             </a:extLst>
           </p:cNvPr>
@@ -2427,7 +2427,7 @@
           <a:bodyPr/>
           <a:lstStyle/>
           <a:p>
-            <a:fld id="{627E819B-C3C6-4491-866A-98F54CB703A1}" type="slidenum">
+            <a:fld id="{24064E73-9D5E-489B-AF1B-553E07015DAE}" type="slidenum">
               <a:rPr lang="zh-CN" altLang="en-US" smtClean="0"/>
               <a:t>‹#›</a:t>
             </a:fld>
@@ -2438,7 +2438,7 @@
     </p:spTree>
     <p:extLst>
       <p:ext uri="{BB962C8B-B14F-4D97-AF65-F5344CB8AC3E}">
-        <p14:creationId xmlns:p14="http://schemas.microsoft.com/office/powerpoint/2010/main" val="3111078933"/>
+        <p14:creationId xmlns:p14="http://schemas.microsoft.com/office/powerpoint/2010/main" val="2198473231"/>
       </p:ext>
     </p:extLst>
   </p:cSld>
@@ -2470,7 +2470,7 @@
           <p:cNvPr id="2" name="标题 1">
             <a:extLst>
               <a:ext uri="{FF2B5EF4-FFF2-40B4-BE49-F238E27FC236}">
-                <a16:creationId xmlns:a16="http://schemas.microsoft.com/office/drawing/2014/main" id="{9BD3643E-242E-8976-12CD-8EC33DFE350C}"/>
+                <a16:creationId xmlns:a16="http://schemas.microsoft.com/office/drawing/2014/main" id="{DF9A31C4-8B9D-7E60-48B8-7FB50C1B2EB1}"/>
               </a:ext>
             </a:extLst>
           </p:cNvPr>
@@ -2507,7 +2507,7 @@
           <p:cNvPr id="3" name="图片占位符 2">
             <a:extLst>
               <a:ext uri="{FF2B5EF4-FFF2-40B4-BE49-F238E27FC236}">
-                <a16:creationId xmlns:a16="http://schemas.microsoft.com/office/drawing/2014/main" id="{7AE0CD7C-2C9D-43F6-4881-BDFE046CC516}"/>
+                <a16:creationId xmlns:a16="http://schemas.microsoft.com/office/drawing/2014/main" id="{F37435DB-93AB-00C2-1F52-609A49F23A70}"/>
               </a:ext>
             </a:extLst>
           </p:cNvPr>
@@ -2574,7 +2574,7 @@
           <p:cNvPr id="4" name="文本占位符 3">
             <a:extLst>
               <a:ext uri="{FF2B5EF4-FFF2-40B4-BE49-F238E27FC236}">
-                <a16:creationId xmlns:a16="http://schemas.microsoft.com/office/drawing/2014/main" id="{C9B36159-E569-132E-B57E-16789E07B123}"/>
+                <a16:creationId xmlns:a16="http://schemas.microsoft.com/office/drawing/2014/main" id="{D28062F1-471D-A131-0B1B-A4C11CAB925B}"/>
               </a:ext>
             </a:extLst>
           </p:cNvPr>
@@ -2645,7 +2645,7 @@
           <p:cNvPr id="5" name="日期占位符 4">
             <a:extLst>
               <a:ext uri="{FF2B5EF4-FFF2-40B4-BE49-F238E27FC236}">
-                <a16:creationId xmlns:a16="http://schemas.microsoft.com/office/drawing/2014/main" id="{9EC49875-4AEF-2E58-A961-FDDF32D62209}"/>
+                <a16:creationId xmlns:a16="http://schemas.microsoft.com/office/drawing/2014/main" id="{7791E4FE-9415-C145-C3BC-8257F15F136D}"/>
               </a:ext>
             </a:extLst>
           </p:cNvPr>
@@ -2661,7 +2661,7 @@
           <a:bodyPr/>
           <a:lstStyle/>
           <a:p>
-            <a:fld id="{953D6047-0053-4EDB-8584-E0D405AA8D87}" type="datetimeFigureOut">
+            <a:fld id="{A43DA695-9C9F-4D6E-81E8-84CF2DEF754F}" type="datetimeFigureOut">
               <a:rPr lang="zh-CN" altLang="en-US" smtClean="0"/>
               <a:t>2024/3/10</a:t>
             </a:fld>
@@ -2674,7 +2674,7 @@
           <p:cNvPr id="6" name="页脚占位符 5">
             <a:extLst>
               <a:ext uri="{FF2B5EF4-FFF2-40B4-BE49-F238E27FC236}">
-                <a16:creationId xmlns:a16="http://schemas.microsoft.com/office/drawing/2014/main" id="{8A42E82F-4DFC-E93C-1C45-A195416591BD}"/>
+                <a16:creationId xmlns:a16="http://schemas.microsoft.com/office/drawing/2014/main" id="{49CA5119-C3CB-030B-9AD2-EA610D493728}"/>
               </a:ext>
             </a:extLst>
           </p:cNvPr>
@@ -2699,7 +2699,7 @@
           <p:cNvPr id="7" name="灯片编号占位符 6">
             <a:extLst>
               <a:ext uri="{FF2B5EF4-FFF2-40B4-BE49-F238E27FC236}">
-                <a16:creationId xmlns:a16="http://schemas.microsoft.com/office/drawing/2014/main" id="{AEDB188C-9C8A-A87C-D175-7D72115567BA}"/>
+                <a16:creationId xmlns:a16="http://schemas.microsoft.com/office/drawing/2014/main" id="{91B237D4-A576-FB07-32BA-237B8CEAB3B3}"/>
               </a:ext>
             </a:extLst>
           </p:cNvPr>
@@ -2715,7 +2715,7 @@
           <a:bodyPr/>
           <a:lstStyle/>
           <a:p>
-            <a:fld id="{627E819B-C3C6-4491-866A-98F54CB703A1}" type="slidenum">
+            <a:fld id="{24064E73-9D5E-489B-AF1B-553E07015DAE}" type="slidenum">
               <a:rPr lang="zh-CN" altLang="en-US" smtClean="0"/>
               <a:t>‹#›</a:t>
             </a:fld>
@@ -2726,7 +2726,7 @@
     </p:spTree>
     <p:extLst>
       <p:ext uri="{BB962C8B-B14F-4D97-AF65-F5344CB8AC3E}">
-        <p14:creationId xmlns:p14="http://schemas.microsoft.com/office/powerpoint/2010/main" val="450966441"/>
+        <p14:creationId xmlns:p14="http://schemas.microsoft.com/office/powerpoint/2010/main" val="3160462772"/>
       </p:ext>
     </p:extLst>
   </p:cSld>
@@ -2763,7 +2763,7 @@
           <p:cNvPr id="2" name="标题占位符 1">
             <a:extLst>
               <a:ext uri="{FF2B5EF4-FFF2-40B4-BE49-F238E27FC236}">
-                <a16:creationId xmlns:a16="http://schemas.microsoft.com/office/drawing/2014/main" id="{EEF2DED7-39CA-4050-EDAA-D2A9BFFFFAFE}"/>
+                <a16:creationId xmlns:a16="http://schemas.microsoft.com/office/drawing/2014/main" id="{94B7EEAB-4583-6C3D-B8B7-BC15FFF8BA7A}"/>
               </a:ext>
             </a:extLst>
           </p:cNvPr>
@@ -2801,7 +2801,7 @@
           <p:cNvPr id="3" name="文本占位符 2">
             <a:extLst>
               <a:ext uri="{FF2B5EF4-FFF2-40B4-BE49-F238E27FC236}">
-                <a16:creationId xmlns:a16="http://schemas.microsoft.com/office/drawing/2014/main" id="{4F29778C-63AC-4624-4D05-40CB13D895D1}"/>
+                <a16:creationId xmlns:a16="http://schemas.microsoft.com/office/drawing/2014/main" id="{4E6A891F-FE9F-5A4C-6A2E-13B6E121E4EE}"/>
               </a:ext>
             </a:extLst>
           </p:cNvPr>
@@ -2868,7 +2868,7 @@
           <p:cNvPr id="4" name="日期占位符 3">
             <a:extLst>
               <a:ext uri="{FF2B5EF4-FFF2-40B4-BE49-F238E27FC236}">
-                <a16:creationId xmlns:a16="http://schemas.microsoft.com/office/drawing/2014/main" id="{221DEE34-366C-B49F-7627-0CB0675CB709}"/>
+                <a16:creationId xmlns:a16="http://schemas.microsoft.com/office/drawing/2014/main" id="{399141AD-048C-7115-FBE1-4D9A5E3C74FE}"/>
               </a:ext>
             </a:extLst>
           </p:cNvPr>
@@ -2902,7 +2902,7 @@
             </a:lvl1pPr>
           </a:lstStyle>
           <a:p>
-            <a:fld id="{953D6047-0053-4EDB-8584-E0D405AA8D87}" type="datetimeFigureOut">
+            <a:fld id="{A43DA695-9C9F-4D6E-81E8-84CF2DEF754F}" type="datetimeFigureOut">
               <a:rPr lang="zh-CN" altLang="en-US" smtClean="0"/>
               <a:t>2024/3/10</a:t>
             </a:fld>
@@ -2915,7 +2915,7 @@
           <p:cNvPr id="5" name="页脚占位符 4">
             <a:extLst>
               <a:ext uri="{FF2B5EF4-FFF2-40B4-BE49-F238E27FC236}">
-                <a16:creationId xmlns:a16="http://schemas.microsoft.com/office/drawing/2014/main" id="{BAE3CDA0-A935-C5D2-138D-BCCF9D8EF1F8}"/>
+                <a16:creationId xmlns:a16="http://schemas.microsoft.com/office/drawing/2014/main" id="{76746E18-F06F-8982-F40B-F4BBE314A526}"/>
               </a:ext>
             </a:extLst>
           </p:cNvPr>
@@ -2958,7 +2958,7 @@
           <p:cNvPr id="6" name="灯片编号占位符 5">
             <a:extLst>
               <a:ext uri="{FF2B5EF4-FFF2-40B4-BE49-F238E27FC236}">
-                <a16:creationId xmlns:a16="http://schemas.microsoft.com/office/drawing/2014/main" id="{AACCE1B9-ED3B-77DA-47DA-C9CD5C39FC69}"/>
+                <a16:creationId xmlns:a16="http://schemas.microsoft.com/office/drawing/2014/main" id="{80A7A39B-AA2F-8B18-6D23-225A14B68E12}"/>
               </a:ext>
             </a:extLst>
           </p:cNvPr>
@@ -2992,7 +2992,7 @@
             </a:lvl1pPr>
           </a:lstStyle>
           <a:p>
-            <a:fld id="{627E819B-C3C6-4491-866A-98F54CB703A1}" type="slidenum">
+            <a:fld id="{24064E73-9D5E-489B-AF1B-553E07015DAE}" type="slidenum">
               <a:rPr lang="zh-CN" altLang="en-US" smtClean="0"/>
               <a:t>‹#›</a:t>
             </a:fld>
@@ -3003,7 +3003,7 @@
     </p:spTree>
     <p:extLst>
       <p:ext uri="{BB962C8B-B14F-4D97-AF65-F5344CB8AC3E}">
-        <p14:creationId xmlns:p14="http://schemas.microsoft.com/office/powerpoint/2010/main" val="2159878512"/>
+        <p14:creationId xmlns:p14="http://schemas.microsoft.com/office/powerpoint/2010/main" val="3261323817"/>
       </p:ext>
     </p:extLst>
   </p:cSld>
